--- a/figures/lazy-wrong-prior.pptx
+++ b/figures/lazy-wrong-prior.pptx
@@ -2,15 +2,16 @@
 <file path=ppt/presentation.xml><?xml version="1.0" encoding="utf-8"?>
 <p:presentation xmlns:a="http://schemas.openxmlformats.org/drawingml/2006/main" xmlns:r="http://schemas.openxmlformats.org/officeDocument/2006/relationships" xmlns:p="http://schemas.openxmlformats.org/presentationml/2006/main" saveSubsetFonts="1" autoCompressPictures="0">
   <p:sldMasterIdLst>
-    <p:sldMasterId id="2147483720" r:id="rId1"/>
+    <p:sldMasterId id="2147483732" r:id="rId1"/>
   </p:sldMasterIdLst>
   <p:notesMasterIdLst>
-    <p:notesMasterId r:id="rId3"/>
+    <p:notesMasterId r:id="rId4"/>
   </p:notesMasterIdLst>
   <p:sldIdLst>
     <p:sldId id="256" r:id="rId2"/>
+    <p:sldId id="257" r:id="rId3"/>
   </p:sldIdLst>
-  <p:sldSz cx="8229600" cy="7315200"/>
+  <p:sldSz cx="8229600" cy="9253538"/>
   <p:notesSz cx="6858000" cy="9144000"/>
   <p:defaultTextStyle>
     <a:defPPr>
@@ -197,7 +198,7 @@
           <a:p>
             <a:fld id="{4D654C45-5AD5-704B-88E2-7E702674D773}" type="datetimeFigureOut">
               <a:rPr lang="en-US" smtClean="0"/>
-              <a:t>5/17/17</a:t>
+              <a:t>5/18/17</a:t>
             </a:fld>
             <a:endParaRPr lang="en-US"/>
           </a:p>
@@ -215,8 +216,8 @@
         </p:nvSpPr>
         <p:spPr>
           <a:xfrm>
-            <a:off x="1692275" y="1143000"/>
-            <a:ext cx="3473450" cy="3086100"/>
+            <a:off x="2057400" y="1143000"/>
+            <a:ext cx="2743200" cy="3086100"/>
           </a:xfrm>
           <a:prstGeom prst="rect">
             <a:avLst/>
@@ -494,8 +495,8 @@
         </p:nvSpPr>
         <p:spPr>
           <a:xfrm>
-            <a:off x="617220" y="1197187"/>
-            <a:ext cx="6995160" cy="2546773"/>
+            <a:off x="617220" y="1514411"/>
+            <a:ext cx="6995160" cy="3221602"/>
           </a:xfrm>
         </p:spPr>
         <p:txBody>
@@ -526,8 +527,8 @@
         </p:nvSpPr>
         <p:spPr>
           <a:xfrm>
-            <a:off x="1028700" y="3842174"/>
-            <a:ext cx="6172200" cy="1766146"/>
+            <a:off x="1028700" y="4860250"/>
+            <a:ext cx="6172200" cy="2234129"/>
           </a:xfrm>
         </p:spPr>
         <p:txBody>
@@ -596,7 +597,7 @@
           <a:p>
             <a:fld id="{6BEE9317-30CC-7C49-B555-F232CBED8BD6}" type="datetimeFigureOut">
               <a:rPr lang="en-US" smtClean="0"/>
-              <a:t>5/17/17</a:t>
+              <a:t>5/18/17</a:t>
             </a:fld>
             <a:endParaRPr lang="en-US"/>
           </a:p>
@@ -761,7 +762,7 @@
           <a:p>
             <a:fld id="{6BEE9317-30CC-7C49-B555-F232CBED8BD6}" type="datetimeFigureOut">
               <a:rPr lang="en-US" smtClean="0"/>
-              <a:t>5/17/17</a:t>
+              <a:t>5/18/17</a:t>
             </a:fld>
             <a:endParaRPr lang="en-US"/>
           </a:p>
@@ -846,8 +847,8 @@
         </p:nvSpPr>
         <p:spPr>
           <a:xfrm>
-            <a:off x="5889308" y="389467"/>
-            <a:ext cx="1774508" cy="6199294"/>
+            <a:off x="5889308" y="492665"/>
+            <a:ext cx="1774508" cy="7841946"/>
           </a:xfrm>
         </p:spPr>
         <p:txBody>
@@ -874,8 +875,8 @@
         </p:nvSpPr>
         <p:spPr>
           <a:xfrm>
-            <a:off x="565785" y="389467"/>
-            <a:ext cx="5220653" cy="6199294"/>
+            <a:off x="565785" y="492665"/>
+            <a:ext cx="5220653" cy="7841946"/>
           </a:xfrm>
         </p:spPr>
         <p:txBody>
@@ -936,7 +937,7 @@
           <a:p>
             <a:fld id="{6BEE9317-30CC-7C49-B555-F232CBED8BD6}" type="datetimeFigureOut">
               <a:rPr lang="en-US" smtClean="0"/>
-              <a:t>5/17/17</a:t>
+              <a:t>5/18/17</a:t>
             </a:fld>
             <a:endParaRPr lang="en-US"/>
           </a:p>
@@ -1101,7 +1102,7 @@
           <a:p>
             <a:fld id="{6BEE9317-30CC-7C49-B555-F232CBED8BD6}" type="datetimeFigureOut">
               <a:rPr lang="en-US" smtClean="0"/>
-              <a:t>5/17/17</a:t>
+              <a:t>5/18/17</a:t>
             </a:fld>
             <a:endParaRPr lang="en-US"/>
           </a:p>
@@ -1186,8 +1187,8 @@
         </p:nvSpPr>
         <p:spPr>
           <a:xfrm>
-            <a:off x="561499" y="1823722"/>
-            <a:ext cx="7098030" cy="3042919"/>
+            <a:off x="561499" y="2306961"/>
+            <a:ext cx="7098030" cy="3849214"/>
           </a:xfrm>
         </p:spPr>
         <p:txBody>
@@ -1218,8 +1219,8 @@
         </p:nvSpPr>
         <p:spPr>
           <a:xfrm>
-            <a:off x="561499" y="4895429"/>
-            <a:ext cx="7098030" cy="1600199"/>
+            <a:off x="561499" y="6192590"/>
+            <a:ext cx="7098030" cy="2024211"/>
           </a:xfrm>
         </p:spPr>
         <p:txBody>
@@ -1340,7 +1341,7 @@
           <a:p>
             <a:fld id="{6BEE9317-30CC-7C49-B555-F232CBED8BD6}" type="datetimeFigureOut">
               <a:rPr lang="en-US" smtClean="0"/>
-              <a:t>5/17/17</a:t>
+              <a:t>5/18/17</a:t>
             </a:fld>
             <a:endParaRPr lang="en-US"/>
           </a:p>
@@ -1448,8 +1449,8 @@
         </p:nvSpPr>
         <p:spPr>
           <a:xfrm>
-            <a:off x="565785" y="1947333"/>
-            <a:ext cx="3497580" cy="4641427"/>
+            <a:off x="565785" y="2463326"/>
+            <a:ext cx="3497580" cy="5871285"/>
           </a:xfrm>
         </p:spPr>
         <p:txBody>
@@ -1505,8 +1506,8 @@
         </p:nvSpPr>
         <p:spPr>
           <a:xfrm>
-            <a:off x="4166235" y="1947333"/>
-            <a:ext cx="3497580" cy="4641427"/>
+            <a:off x="4166235" y="2463326"/>
+            <a:ext cx="3497580" cy="5871285"/>
           </a:xfrm>
         </p:spPr>
         <p:txBody>
@@ -1567,7 +1568,7 @@
           <a:p>
             <a:fld id="{6BEE9317-30CC-7C49-B555-F232CBED8BD6}" type="datetimeFigureOut">
               <a:rPr lang="en-US" smtClean="0"/>
-              <a:t>5/17/17</a:t>
+              <a:t>5/18/17</a:t>
             </a:fld>
             <a:endParaRPr lang="en-US"/>
           </a:p>
@@ -1652,8 +1653,8 @@
         </p:nvSpPr>
         <p:spPr>
           <a:xfrm>
-            <a:off x="566857" y="389468"/>
-            <a:ext cx="7098030" cy="1413934"/>
+            <a:off x="566857" y="492667"/>
+            <a:ext cx="7098030" cy="1788590"/>
           </a:xfrm>
         </p:spPr>
         <p:txBody>
@@ -1680,8 +1681,8 @@
         </p:nvSpPr>
         <p:spPr>
           <a:xfrm>
-            <a:off x="566858" y="1793241"/>
-            <a:ext cx="3481506" cy="878839"/>
+            <a:off x="566858" y="2268403"/>
+            <a:ext cx="3481506" cy="1111709"/>
           </a:xfrm>
         </p:spPr>
         <p:txBody>
@@ -1745,8 +1746,8 @@
         </p:nvSpPr>
         <p:spPr>
           <a:xfrm>
-            <a:off x="566858" y="2672080"/>
-            <a:ext cx="3481506" cy="3930227"/>
+            <a:off x="566858" y="3380112"/>
+            <a:ext cx="3481506" cy="4971635"/>
           </a:xfrm>
         </p:spPr>
         <p:txBody>
@@ -1802,8 +1803,8 @@
         </p:nvSpPr>
         <p:spPr>
           <a:xfrm>
-            <a:off x="4166235" y="1793241"/>
-            <a:ext cx="3498652" cy="878839"/>
+            <a:off x="4166235" y="2268403"/>
+            <a:ext cx="3498652" cy="1111709"/>
           </a:xfrm>
         </p:spPr>
         <p:txBody>
@@ -1867,8 +1868,8 @@
         </p:nvSpPr>
         <p:spPr>
           <a:xfrm>
-            <a:off x="4166235" y="2672080"/>
-            <a:ext cx="3498652" cy="3930227"/>
+            <a:off x="4166235" y="3380112"/>
+            <a:ext cx="3498652" cy="4971635"/>
           </a:xfrm>
         </p:spPr>
         <p:txBody>
@@ -1929,7 +1930,7 @@
           <a:p>
             <a:fld id="{6BEE9317-30CC-7C49-B555-F232CBED8BD6}" type="datetimeFigureOut">
               <a:rPr lang="en-US" smtClean="0"/>
-              <a:t>5/17/17</a:t>
+              <a:t>5/18/17</a:t>
             </a:fld>
             <a:endParaRPr lang="en-US"/>
           </a:p>
@@ -2042,7 +2043,7 @@
           <a:p>
             <a:fld id="{6BEE9317-30CC-7C49-B555-F232CBED8BD6}" type="datetimeFigureOut">
               <a:rPr lang="en-US" smtClean="0"/>
-              <a:t>5/17/17</a:t>
+              <a:t>5/18/17</a:t>
             </a:fld>
             <a:endParaRPr lang="en-US"/>
           </a:p>
@@ -2132,7 +2133,7 @@
           <a:p>
             <a:fld id="{6BEE9317-30CC-7C49-B555-F232CBED8BD6}" type="datetimeFigureOut">
               <a:rPr lang="en-US" smtClean="0"/>
-              <a:t>5/17/17</a:t>
+              <a:t>5/18/17</a:t>
             </a:fld>
             <a:endParaRPr lang="en-US"/>
           </a:p>
@@ -2217,8 +2218,8 @@
         </p:nvSpPr>
         <p:spPr>
           <a:xfrm>
-            <a:off x="566857" y="487680"/>
-            <a:ext cx="2654260" cy="1706880"/>
+            <a:off x="566857" y="616902"/>
+            <a:ext cx="2654260" cy="2159159"/>
           </a:xfrm>
         </p:spPr>
         <p:txBody>
@@ -2249,8 +2250,8 @@
         </p:nvSpPr>
         <p:spPr>
           <a:xfrm>
-            <a:off x="3498652" y="1053255"/>
-            <a:ext cx="4166235" cy="5198533"/>
+            <a:off x="3498652" y="1332340"/>
+            <a:ext cx="4166235" cy="6576010"/>
           </a:xfrm>
         </p:spPr>
         <p:txBody>
@@ -2334,8 +2335,8 @@
         </p:nvSpPr>
         <p:spPr>
           <a:xfrm>
-            <a:off x="566857" y="2194560"/>
-            <a:ext cx="2654260" cy="4065694"/>
+            <a:off x="566857" y="2776061"/>
+            <a:ext cx="2654260" cy="5142997"/>
           </a:xfrm>
         </p:spPr>
         <p:txBody>
@@ -2404,7 +2405,7 @@
           <a:p>
             <a:fld id="{6BEE9317-30CC-7C49-B555-F232CBED8BD6}" type="datetimeFigureOut">
               <a:rPr lang="en-US" smtClean="0"/>
-              <a:t>5/17/17</a:t>
+              <a:t>5/18/17</a:t>
             </a:fld>
             <a:endParaRPr lang="en-US"/>
           </a:p>
@@ -2489,8 +2490,8 @@
         </p:nvSpPr>
         <p:spPr>
           <a:xfrm>
-            <a:off x="566857" y="487680"/>
-            <a:ext cx="2654260" cy="1706880"/>
+            <a:off x="566857" y="616902"/>
+            <a:ext cx="2654260" cy="2159159"/>
           </a:xfrm>
         </p:spPr>
         <p:txBody>
@@ -2521,8 +2522,8 @@
         </p:nvSpPr>
         <p:spPr>
           <a:xfrm>
-            <a:off x="3498652" y="1053255"/>
-            <a:ext cx="4166235" cy="5198533"/>
+            <a:off x="3498652" y="1332340"/>
+            <a:ext cx="4166235" cy="6576010"/>
           </a:xfrm>
         </p:spPr>
         <p:txBody>
@@ -2586,8 +2587,8 @@
         </p:nvSpPr>
         <p:spPr>
           <a:xfrm>
-            <a:off x="566857" y="2194560"/>
-            <a:ext cx="2654260" cy="4065694"/>
+            <a:off x="566857" y="2776061"/>
+            <a:ext cx="2654260" cy="5142997"/>
           </a:xfrm>
         </p:spPr>
         <p:txBody>
@@ -2656,7 +2657,7 @@
           <a:p>
             <a:fld id="{6BEE9317-30CC-7C49-B555-F232CBED8BD6}" type="datetimeFigureOut">
               <a:rPr lang="en-US" smtClean="0"/>
-              <a:t>5/17/17</a:t>
+              <a:t>5/18/17</a:t>
             </a:fld>
             <a:endParaRPr lang="en-US"/>
           </a:p>
@@ -2746,8 +2747,8 @@
         </p:nvSpPr>
         <p:spPr>
           <a:xfrm>
-            <a:off x="565785" y="389468"/>
-            <a:ext cx="7098030" cy="1413934"/>
+            <a:off x="565785" y="492667"/>
+            <a:ext cx="7098030" cy="1788590"/>
           </a:xfrm>
           <a:prstGeom prst="rect">
             <a:avLst/>
@@ -2779,8 +2780,8 @@
         </p:nvSpPr>
         <p:spPr>
           <a:xfrm>
-            <a:off x="565785" y="1947333"/>
-            <a:ext cx="7098030" cy="4641427"/>
+            <a:off x="565785" y="2463326"/>
+            <a:ext cx="7098030" cy="5871285"/>
           </a:xfrm>
           <a:prstGeom prst="rect">
             <a:avLst/>
@@ -2841,8 +2842,8 @@
         </p:nvSpPr>
         <p:spPr>
           <a:xfrm>
-            <a:off x="565785" y="6780108"/>
-            <a:ext cx="1851660" cy="389467"/>
+            <a:off x="565785" y="8576661"/>
+            <a:ext cx="1851660" cy="492665"/>
           </a:xfrm>
           <a:prstGeom prst="rect">
             <a:avLst/>
@@ -2864,7 +2865,7 @@
           <a:p>
             <a:fld id="{6BEE9317-30CC-7C49-B555-F232CBED8BD6}" type="datetimeFigureOut">
               <a:rPr lang="en-US" smtClean="0"/>
-              <a:t>5/17/17</a:t>
+              <a:t>5/18/17</a:t>
             </a:fld>
             <a:endParaRPr lang="en-US"/>
           </a:p>
@@ -2882,8 +2883,8 @@
         </p:nvSpPr>
         <p:spPr>
           <a:xfrm>
-            <a:off x="2726055" y="6780108"/>
-            <a:ext cx="2777490" cy="389467"/>
+            <a:off x="2726055" y="8576661"/>
+            <a:ext cx="2777490" cy="492665"/>
           </a:xfrm>
           <a:prstGeom prst="rect">
             <a:avLst/>
@@ -2919,8 +2920,8 @@
         </p:nvSpPr>
         <p:spPr>
           <a:xfrm>
-            <a:off x="5812155" y="6780108"/>
-            <a:ext cx="1851660" cy="389467"/>
+            <a:off x="5812155" y="8576661"/>
+            <a:ext cx="1851660" cy="492665"/>
           </a:xfrm>
           <a:prstGeom prst="rect">
             <a:avLst/>
@@ -2951,23 +2952,23 @@
     </p:spTree>
     <p:extLst>
       <p:ext uri="{BB962C8B-B14F-4D97-AF65-F5344CB8AC3E}">
-        <p14:creationId xmlns:p14="http://schemas.microsoft.com/office/powerpoint/2010/main" val="472841958"/>
+        <p14:creationId xmlns:p14="http://schemas.microsoft.com/office/powerpoint/2010/main" val="581137084"/>
       </p:ext>
     </p:extLst>
   </p:cSld>
   <p:clrMap bg1="lt1" tx1="dk1" bg2="lt2" tx2="dk2" accent1="accent1" accent2="accent2" accent3="accent3" accent4="accent4" accent5="accent5" accent6="accent6" hlink="hlink" folHlink="folHlink"/>
   <p:sldLayoutIdLst>
-    <p:sldLayoutId id="2147483721" r:id="rId1"/>
-    <p:sldLayoutId id="2147483722" r:id="rId2"/>
-    <p:sldLayoutId id="2147483723" r:id="rId3"/>
-    <p:sldLayoutId id="2147483724" r:id="rId4"/>
-    <p:sldLayoutId id="2147483725" r:id="rId5"/>
-    <p:sldLayoutId id="2147483726" r:id="rId6"/>
-    <p:sldLayoutId id="2147483727" r:id="rId7"/>
-    <p:sldLayoutId id="2147483728" r:id="rId8"/>
-    <p:sldLayoutId id="2147483729" r:id="rId9"/>
-    <p:sldLayoutId id="2147483730" r:id="rId10"/>
-    <p:sldLayoutId id="2147483731" r:id="rId11"/>
+    <p:sldLayoutId id="2147483733" r:id="rId1"/>
+    <p:sldLayoutId id="2147483734" r:id="rId2"/>
+    <p:sldLayoutId id="2147483735" r:id="rId3"/>
+    <p:sldLayoutId id="2147483736" r:id="rId4"/>
+    <p:sldLayoutId id="2147483737" r:id="rId5"/>
+    <p:sldLayoutId id="2147483738" r:id="rId6"/>
+    <p:sldLayoutId id="2147483739" r:id="rId7"/>
+    <p:sldLayoutId id="2147483740" r:id="rId8"/>
+    <p:sldLayoutId id="2147483741" r:id="rId9"/>
+    <p:sldLayoutId id="2147483742" r:id="rId10"/>
+    <p:sldLayoutId id="2147483743" r:id="rId11"/>
   </p:sldLayoutIdLst>
   <p:txStyles>
     <p:titleStyle>
@@ -3271,7 +3272,7 @@
       </p:grpSpPr>
       <p:pic>
         <p:nvPicPr>
-          <p:cNvPr id="2" name="Picture 1"/>
+          <p:cNvPr id="3" name="Picture 2"/>
           <p:cNvPicPr>
             <a:picLocks noChangeAspect="1"/>
           </p:cNvPicPr>
@@ -3291,8 +3292,8 @@
         </p:blipFill>
         <p:spPr>
           <a:xfrm>
-            <a:off x="318376" y="0"/>
-            <a:ext cx="7592847" cy="6548830"/>
+            <a:off x="0" y="127000"/>
+            <a:ext cx="8229600" cy="8977745"/>
           </a:xfrm>
           <a:prstGeom prst="rect">
             <a:avLst/>
@@ -3309,7 +3310,7 @@
             </p:nvSpPr>
             <p:spPr>
               <a:xfrm>
-                <a:off x="22725465" y="11242528"/>
+                <a:off x="22725465" y="13180866"/>
                 <a:ext cx="3174101" cy="1181542"/>
               </a:xfrm>
               <a:prstGeom prst="rect">
@@ -3481,6 +3482,829 @@
           </p:sp>
         </mc:Fallback>
       </mc:AlternateContent>
+      <mc:AlternateContent xmlns:mc="http://schemas.openxmlformats.org/markup-compatibility/2006">
+        <mc:Choice xmlns:a14="http://schemas.microsoft.com/office/drawing/2010/main" Requires="a14">
+          <p:sp>
+            <p:nvSpPr>
+              <p:cNvPr id="8" name="TextBox 7"/>
+              <p:cNvSpPr txBox="1"/>
+              <p:nvPr/>
+            </p:nvSpPr>
+            <p:spPr>
+              <a:xfrm>
+                <a:off x="220435" y="2501025"/>
+                <a:ext cx="7788729" cy="430887"/>
+              </a:xfrm>
+              <a:prstGeom prst="rect">
+                <a:avLst/>
+              </a:prstGeom>
+              <a:noFill/>
+              <a:ln>
+                <a:noFill/>
+              </a:ln>
+            </p:spPr>
+            <p:txBody>
+              <a:bodyPr wrap="square" rtlCol="0">
+                <a:spAutoFit/>
+              </a:bodyPr>
+              <a:lstStyle/>
+              <a:p>
+                <a:pPr algn="ctr"/>
+                <a:r>
+                  <a:rPr lang="en-US" sz="2200" dirty="0" smtClean="0">
+                    <a:latin typeface="Palatino" charset="0"/>
+                    <a:ea typeface="Palatino" charset="0"/>
+                    <a:cs typeface="Palatino" charset="0"/>
+                  </a:rPr>
+                  <a:t>(a) Passive, </a:t>
+                </a:r>
+                <a:r>
+                  <a:rPr lang="en-US" sz="2200" dirty="0">
+                    <a:latin typeface="Palatino" charset="0"/>
+                    <a:ea typeface="Palatino" charset="0"/>
+                    <a:cs typeface="Palatino" charset="0"/>
+                  </a:rPr>
+                  <a:t>active trajectory and beliefs for </a:t>
+                </a:r>
+                <a:r>
+                  <a:rPr lang="en-US" sz="2200" dirty="0" smtClean="0">
+                    <a:latin typeface="Palatino" charset="0"/>
+                    <a:ea typeface="Palatino" charset="0"/>
+                    <a:cs typeface="Palatino" charset="0"/>
+                  </a:rPr>
+                  <a:t> </a:t>
+                </a:r>
+                <a14:m>
+                  <m:oMath xmlns:m="http://schemas.openxmlformats.org/officeDocument/2006/math">
+                    <m:sSup>
+                      <m:sSupPr>
+                        <m:ctrlPr>
+                          <a:rPr lang="en-US" sz="2100" i="1" smtClean="0">
+                            <a:latin typeface="Cambria Math" charset="0"/>
+                            <a:ea typeface="Palatino" charset="0"/>
+                            <a:cs typeface="Palatino" charset="0"/>
+                          </a:rPr>
+                        </m:ctrlPr>
+                      </m:sSupPr>
+                      <m:e>
+                        <m:r>
+                          <a:rPr lang="en-US" sz="2100" b="0" i="1" smtClean="0">
+                            <a:latin typeface="Cambria Math" charset="0"/>
+                            <a:ea typeface="Palatino" charset="0"/>
+                            <a:cs typeface="Palatino" charset="0"/>
+                          </a:rPr>
+                          <m:t>𝑏</m:t>
+                        </m:r>
+                      </m:e>
+                      <m:sup>
+                        <m:r>
+                          <a:rPr lang="en-US" sz="2100" b="0" i="1" smtClean="0">
+                            <a:latin typeface="Cambria Math" charset="0"/>
+                            <a:ea typeface="Palatino" charset="0"/>
+                            <a:cs typeface="Palatino" charset="0"/>
+                          </a:rPr>
+                          <m:t>0</m:t>
+                        </m:r>
+                      </m:sup>
+                    </m:sSup>
+                    <m:d>
+                      <m:dPr>
+                        <m:ctrlPr>
+                          <a:rPr lang="en-US" sz="2100" b="0" i="1" smtClean="0">
+                            <a:latin typeface="Cambria Math" charset="0"/>
+                            <a:ea typeface="Palatino" charset="0"/>
+                            <a:cs typeface="Palatino" charset="0"/>
+                          </a:rPr>
+                        </m:ctrlPr>
+                      </m:dPr>
+                      <m:e>
+                        <m:r>
+                          <a:rPr lang="en-US" sz="2200" i="1">
+                            <a:latin typeface="Cambria Math" charset="0"/>
+                            <a:ea typeface="Palatino" charset="0"/>
+                            <a:cs typeface="Palatino" charset="0"/>
+                          </a:rPr>
+                          <m:t>𝜃</m:t>
+                        </m:r>
+                      </m:e>
+                    </m:d>
+                    <m:r>
+                      <a:rPr lang="en-US" sz="2200" b="0" i="1" smtClean="0">
+                        <a:latin typeface="Cambria Math" charset="0"/>
+                        <a:ea typeface="Palatino" charset="0"/>
+                        <a:cs typeface="Palatino" charset="0"/>
+                      </a:rPr>
+                      <m:t>=(0.1, 0.9)</m:t>
+                    </m:r>
+                  </m:oMath>
+                </a14:m>
+                <a:endParaRPr lang="en-US" sz="2200" dirty="0">
+                  <a:latin typeface="Palatino" charset="0"/>
+                  <a:ea typeface="Palatino" charset="0"/>
+                  <a:cs typeface="Palatino" charset="0"/>
+                </a:endParaRPr>
+              </a:p>
+            </p:txBody>
+          </p:sp>
+        </mc:Choice>
+        <mc:Fallback>
+          <p:sp>
+            <p:nvSpPr>
+              <p:cNvPr id="8" name="TextBox 7"/>
+              <p:cNvSpPr txBox="1">
+                <a:spLocks noRot="1" noChangeAspect="1" noMove="1" noResize="1" noEditPoints="1" noAdjustHandles="1" noChangeArrowheads="1" noChangeShapeType="1" noTextEdit="1"/>
+              </p:cNvSpPr>
+              <p:nvPr/>
+            </p:nvSpPr>
+            <p:spPr>
+              <a:xfrm>
+                <a:off x="220435" y="2501025"/>
+                <a:ext cx="7788729" cy="430887"/>
+              </a:xfrm>
+              <a:prstGeom prst="rect">
+                <a:avLst/>
+              </a:prstGeom>
+              <a:blipFill rotWithShape="0">
+                <a:blip r:embed="rId4"/>
+                <a:stretch>
+                  <a:fillRect l="-235" t="-7042" b="-29577"/>
+                </a:stretch>
+              </a:blipFill>
+              <a:ln>
+                <a:noFill/>
+              </a:ln>
+            </p:spPr>
+            <p:txBody>
+              <a:bodyPr/>
+              <a:lstStyle/>
+              <a:p>
+                <a:r>
+                  <a:rPr lang="en-US">
+                    <a:noFill/>
+                  </a:rPr>
+                  <a:t> </a:t>
+                </a:r>
+              </a:p>
+            </p:txBody>
+          </p:sp>
+        </mc:Fallback>
+      </mc:AlternateContent>
+      <mc:AlternateContent xmlns:mc="http://schemas.openxmlformats.org/markup-compatibility/2006">
+        <mc:Choice xmlns:a14="http://schemas.microsoft.com/office/drawing/2010/main" Requires="a14">
+          <p:sp>
+            <p:nvSpPr>
+              <p:cNvPr id="9" name="TextBox 8"/>
+              <p:cNvSpPr txBox="1"/>
+              <p:nvPr/>
+            </p:nvSpPr>
+            <p:spPr>
+              <a:xfrm>
+                <a:off x="220435" y="5749873"/>
+                <a:ext cx="7788729" cy="430887"/>
+              </a:xfrm>
+              <a:prstGeom prst="rect">
+                <a:avLst/>
+              </a:prstGeom>
+              <a:noFill/>
+              <a:ln>
+                <a:noFill/>
+              </a:ln>
+            </p:spPr>
+            <p:txBody>
+              <a:bodyPr wrap="square" rtlCol="0">
+                <a:spAutoFit/>
+              </a:bodyPr>
+              <a:lstStyle/>
+              <a:p>
+                <a:pPr algn="ctr"/>
+                <a:r>
+                  <a:rPr lang="en-US" sz="2200" dirty="0" smtClean="0">
+                    <a:latin typeface="Palatino" charset="0"/>
+                    <a:ea typeface="Palatino" charset="0"/>
+                    <a:cs typeface="Palatino" charset="0"/>
+                  </a:rPr>
+                  <a:t>(b) </a:t>
+                </a:r>
+                <a:r>
+                  <a:rPr lang="en-US" sz="2200" dirty="0">
+                    <a:latin typeface="Palatino" charset="0"/>
+                    <a:ea typeface="Palatino" charset="0"/>
+                    <a:cs typeface="Palatino" charset="0"/>
+                  </a:rPr>
+                  <a:t>Passive, </a:t>
+                </a:r>
+                <a:r>
+                  <a:rPr lang="en-US" sz="2200" dirty="0">
+                    <a:latin typeface="Palatino" charset="0"/>
+                    <a:ea typeface="Palatino" charset="0"/>
+                    <a:cs typeface="Palatino" charset="0"/>
+                  </a:rPr>
+                  <a:t>active trajectory and beliefs for </a:t>
+                </a:r>
+                <a:r>
+                  <a:rPr lang="en-US" sz="2200" dirty="0">
+                    <a:latin typeface="Palatino" charset="0"/>
+                    <a:ea typeface="Palatino" charset="0"/>
+                    <a:cs typeface="Palatino" charset="0"/>
+                  </a:rPr>
+                  <a:t> </a:t>
+                </a:r>
+                <a14:m>
+                  <m:oMath xmlns:m="http://schemas.openxmlformats.org/officeDocument/2006/math">
+                    <m:sSup>
+                      <m:sSupPr>
+                        <m:ctrlPr>
+                          <a:rPr lang="en-US" sz="2100" i="1">
+                            <a:latin typeface="Cambria Math" charset="0"/>
+                            <a:ea typeface="Palatino" charset="0"/>
+                            <a:cs typeface="Palatino" charset="0"/>
+                          </a:rPr>
+                        </m:ctrlPr>
+                      </m:sSupPr>
+                      <m:e>
+                        <m:r>
+                          <a:rPr lang="en-US" sz="2100" i="1">
+                            <a:latin typeface="Cambria Math" charset="0"/>
+                            <a:ea typeface="Palatino" charset="0"/>
+                            <a:cs typeface="Palatino" charset="0"/>
+                          </a:rPr>
+                          <m:t>𝑏</m:t>
+                        </m:r>
+                      </m:e>
+                      <m:sup>
+                        <m:r>
+                          <a:rPr lang="en-US" sz="2100" i="1">
+                            <a:latin typeface="Cambria Math" charset="0"/>
+                            <a:ea typeface="Palatino" charset="0"/>
+                            <a:cs typeface="Palatino" charset="0"/>
+                          </a:rPr>
+                          <m:t>0</m:t>
+                        </m:r>
+                      </m:sup>
+                    </m:sSup>
+                    <m:d>
+                      <m:dPr>
+                        <m:ctrlPr>
+                          <a:rPr lang="en-US" sz="2100" i="1">
+                            <a:latin typeface="Cambria Math" charset="0"/>
+                            <a:ea typeface="Palatino" charset="0"/>
+                            <a:cs typeface="Palatino" charset="0"/>
+                          </a:rPr>
+                        </m:ctrlPr>
+                      </m:dPr>
+                      <m:e>
+                        <m:r>
+                          <a:rPr lang="en-US" sz="2200" i="1">
+                            <a:latin typeface="Cambria Math" charset="0"/>
+                            <a:ea typeface="Palatino" charset="0"/>
+                            <a:cs typeface="Palatino" charset="0"/>
+                          </a:rPr>
+                          <m:t>𝜃</m:t>
+                        </m:r>
+                      </m:e>
+                    </m:d>
+                    <m:r>
+                      <a:rPr lang="en-US" sz="2200" i="1">
+                        <a:latin typeface="Cambria Math" charset="0"/>
+                        <a:ea typeface="Palatino" charset="0"/>
+                        <a:cs typeface="Palatino" charset="0"/>
+                      </a:rPr>
+                      <m:t>=(0.</m:t>
+                    </m:r>
+                    <m:r>
+                      <a:rPr lang="en-US" sz="2200" b="0" i="1" smtClean="0">
+                        <a:latin typeface="Cambria Math" charset="0"/>
+                        <a:ea typeface="Palatino" charset="0"/>
+                        <a:cs typeface="Palatino" charset="0"/>
+                      </a:rPr>
+                      <m:t>2</m:t>
+                    </m:r>
+                    <m:r>
+                      <a:rPr lang="en-US" sz="2200" i="1">
+                        <a:latin typeface="Cambria Math" charset="0"/>
+                        <a:ea typeface="Palatino" charset="0"/>
+                        <a:cs typeface="Palatino" charset="0"/>
+                      </a:rPr>
+                      <m:t>, 0.</m:t>
+                    </m:r>
+                    <m:r>
+                      <a:rPr lang="en-US" sz="2200" b="0" i="1" smtClean="0">
+                        <a:latin typeface="Cambria Math" charset="0"/>
+                        <a:ea typeface="Palatino" charset="0"/>
+                        <a:cs typeface="Palatino" charset="0"/>
+                      </a:rPr>
+                      <m:t>8</m:t>
+                    </m:r>
+                    <m:r>
+                      <a:rPr lang="en-US" sz="2200" i="1">
+                        <a:latin typeface="Cambria Math" charset="0"/>
+                        <a:ea typeface="Palatino" charset="0"/>
+                        <a:cs typeface="Palatino" charset="0"/>
+                      </a:rPr>
+                      <m:t>)</m:t>
+                    </m:r>
+                  </m:oMath>
+                </a14:m>
+                <a:endParaRPr lang="en-US" sz="2200" dirty="0">
+                  <a:latin typeface="Palatino" charset="0"/>
+                  <a:ea typeface="Palatino" charset="0"/>
+                  <a:cs typeface="Palatino" charset="0"/>
+                </a:endParaRPr>
+              </a:p>
+            </p:txBody>
+          </p:sp>
+        </mc:Choice>
+        <mc:Fallback>
+          <p:sp>
+            <p:nvSpPr>
+              <p:cNvPr id="9" name="TextBox 8"/>
+              <p:cNvSpPr txBox="1">
+                <a:spLocks noRot="1" noChangeAspect="1" noMove="1" noResize="1" noEditPoints="1" noAdjustHandles="1" noChangeArrowheads="1" noChangeShapeType="1" noTextEdit="1"/>
+              </p:cNvSpPr>
+              <p:nvPr/>
+            </p:nvSpPr>
+            <p:spPr>
+              <a:xfrm>
+                <a:off x="220435" y="5749873"/>
+                <a:ext cx="7788729" cy="430887"/>
+              </a:xfrm>
+              <a:prstGeom prst="rect">
+                <a:avLst/>
+              </a:prstGeom>
+              <a:blipFill rotWithShape="0">
+                <a:blip r:embed="rId5"/>
+                <a:stretch>
+                  <a:fillRect l="-391" t="-8451" b="-29577"/>
+                </a:stretch>
+              </a:blipFill>
+              <a:ln>
+                <a:noFill/>
+              </a:ln>
+            </p:spPr>
+            <p:txBody>
+              <a:bodyPr/>
+              <a:lstStyle/>
+              <a:p>
+                <a:r>
+                  <a:rPr lang="en-US">
+                    <a:noFill/>
+                  </a:rPr>
+                  <a:t> </a:t>
+                </a:r>
+              </a:p>
+            </p:txBody>
+          </p:sp>
+        </mc:Fallback>
+      </mc:AlternateContent>
+      <mc:AlternateContent xmlns:mc="http://schemas.openxmlformats.org/markup-compatibility/2006">
+        <mc:Choice xmlns:a14="http://schemas.microsoft.com/office/drawing/2010/main" Requires="a14">
+          <p:sp>
+            <p:nvSpPr>
+              <p:cNvPr id="10" name="TextBox 9"/>
+              <p:cNvSpPr txBox="1"/>
+              <p:nvPr/>
+            </p:nvSpPr>
+            <p:spPr>
+              <a:xfrm>
+                <a:off x="220434" y="8822651"/>
+                <a:ext cx="7788729" cy="430887"/>
+              </a:xfrm>
+              <a:prstGeom prst="rect">
+                <a:avLst/>
+              </a:prstGeom>
+              <a:noFill/>
+              <a:ln>
+                <a:noFill/>
+              </a:ln>
+            </p:spPr>
+            <p:txBody>
+              <a:bodyPr wrap="square" rtlCol="0">
+                <a:spAutoFit/>
+              </a:bodyPr>
+              <a:lstStyle/>
+              <a:p>
+                <a:pPr algn="ctr"/>
+                <a:r>
+                  <a:rPr lang="en-US" sz="2200" dirty="0" smtClean="0">
+                    <a:latin typeface="Palatino" charset="0"/>
+                    <a:ea typeface="Palatino" charset="0"/>
+                    <a:cs typeface="Palatino" charset="0"/>
+                  </a:rPr>
+                  <a:t>(c) </a:t>
+                </a:r>
+                <a:r>
+                  <a:rPr lang="en-US" sz="2200" dirty="0">
+                    <a:latin typeface="Palatino" charset="0"/>
+                    <a:ea typeface="Palatino" charset="0"/>
+                    <a:cs typeface="Palatino" charset="0"/>
+                  </a:rPr>
+                  <a:t>Passive, </a:t>
+                </a:r>
+                <a:r>
+                  <a:rPr lang="en-US" sz="2200" dirty="0">
+                    <a:latin typeface="Palatino" charset="0"/>
+                    <a:ea typeface="Palatino" charset="0"/>
+                    <a:cs typeface="Palatino" charset="0"/>
+                  </a:rPr>
+                  <a:t>active trajectory and beliefs for </a:t>
+                </a:r>
+                <a:r>
+                  <a:rPr lang="en-US" sz="2200" dirty="0">
+                    <a:latin typeface="Palatino" charset="0"/>
+                    <a:ea typeface="Palatino" charset="0"/>
+                    <a:cs typeface="Palatino" charset="0"/>
+                  </a:rPr>
+                  <a:t> </a:t>
+                </a:r>
+                <a14:m>
+                  <m:oMath xmlns:m="http://schemas.openxmlformats.org/officeDocument/2006/math">
+                    <m:sSup>
+                      <m:sSupPr>
+                        <m:ctrlPr>
+                          <a:rPr lang="en-US" sz="2100" i="1">
+                            <a:latin typeface="Cambria Math" charset="0"/>
+                            <a:ea typeface="Palatino" charset="0"/>
+                            <a:cs typeface="Palatino" charset="0"/>
+                          </a:rPr>
+                        </m:ctrlPr>
+                      </m:sSupPr>
+                      <m:e>
+                        <m:r>
+                          <a:rPr lang="en-US" sz="2100" i="1">
+                            <a:latin typeface="Cambria Math" charset="0"/>
+                            <a:ea typeface="Palatino" charset="0"/>
+                            <a:cs typeface="Palatino" charset="0"/>
+                          </a:rPr>
+                          <m:t>𝑏</m:t>
+                        </m:r>
+                      </m:e>
+                      <m:sup>
+                        <m:r>
+                          <a:rPr lang="en-US" sz="2100" i="1">
+                            <a:latin typeface="Cambria Math" charset="0"/>
+                            <a:ea typeface="Palatino" charset="0"/>
+                            <a:cs typeface="Palatino" charset="0"/>
+                          </a:rPr>
+                          <m:t>0</m:t>
+                        </m:r>
+                      </m:sup>
+                    </m:sSup>
+                    <m:d>
+                      <m:dPr>
+                        <m:ctrlPr>
+                          <a:rPr lang="en-US" sz="2100" i="1">
+                            <a:latin typeface="Cambria Math" charset="0"/>
+                            <a:ea typeface="Palatino" charset="0"/>
+                            <a:cs typeface="Palatino" charset="0"/>
+                          </a:rPr>
+                        </m:ctrlPr>
+                      </m:dPr>
+                      <m:e>
+                        <m:r>
+                          <a:rPr lang="en-US" sz="2200" i="1">
+                            <a:latin typeface="Cambria Math" charset="0"/>
+                            <a:ea typeface="Palatino" charset="0"/>
+                            <a:cs typeface="Palatino" charset="0"/>
+                          </a:rPr>
+                          <m:t>𝜃</m:t>
+                        </m:r>
+                      </m:e>
+                    </m:d>
+                    <m:r>
+                      <a:rPr lang="en-US" sz="2200" i="1">
+                        <a:latin typeface="Cambria Math" charset="0"/>
+                        <a:ea typeface="Palatino" charset="0"/>
+                        <a:cs typeface="Palatino" charset="0"/>
+                      </a:rPr>
+                      <m:t>=(0.</m:t>
+                    </m:r>
+                    <m:r>
+                      <a:rPr lang="en-US" sz="2200" b="0" i="1" smtClean="0">
+                        <a:latin typeface="Cambria Math" charset="0"/>
+                        <a:ea typeface="Palatino" charset="0"/>
+                        <a:cs typeface="Palatino" charset="0"/>
+                      </a:rPr>
+                      <m:t>3</m:t>
+                    </m:r>
+                    <m:r>
+                      <a:rPr lang="en-US" sz="2200" i="1">
+                        <a:latin typeface="Cambria Math" charset="0"/>
+                        <a:ea typeface="Palatino" charset="0"/>
+                        <a:cs typeface="Palatino" charset="0"/>
+                      </a:rPr>
+                      <m:t>, 0.</m:t>
+                    </m:r>
+                    <m:r>
+                      <a:rPr lang="en-US" sz="2200" b="0" i="1" smtClean="0">
+                        <a:latin typeface="Cambria Math" charset="0"/>
+                        <a:ea typeface="Palatino" charset="0"/>
+                        <a:cs typeface="Palatino" charset="0"/>
+                      </a:rPr>
+                      <m:t>7</m:t>
+                    </m:r>
+                    <m:r>
+                      <a:rPr lang="en-US" sz="2200" i="1">
+                        <a:latin typeface="Cambria Math" charset="0"/>
+                        <a:ea typeface="Palatino" charset="0"/>
+                        <a:cs typeface="Palatino" charset="0"/>
+                      </a:rPr>
+                      <m:t>)</m:t>
+                    </m:r>
+                  </m:oMath>
+                </a14:m>
+                <a:endParaRPr lang="en-US" sz="2200" dirty="0">
+                  <a:latin typeface="Palatino" charset="0"/>
+                  <a:ea typeface="Palatino" charset="0"/>
+                  <a:cs typeface="Palatino" charset="0"/>
+                </a:endParaRPr>
+              </a:p>
+            </p:txBody>
+          </p:sp>
+        </mc:Choice>
+        <mc:Fallback>
+          <p:sp>
+            <p:nvSpPr>
+              <p:cNvPr id="10" name="TextBox 9"/>
+              <p:cNvSpPr txBox="1">
+                <a:spLocks noRot="1" noChangeAspect="1" noMove="1" noResize="1" noEditPoints="1" noAdjustHandles="1" noChangeArrowheads="1" noChangeShapeType="1" noTextEdit="1"/>
+              </p:cNvSpPr>
+              <p:nvPr/>
+            </p:nvSpPr>
+            <p:spPr>
+              <a:xfrm>
+                <a:off x="220434" y="8822651"/>
+                <a:ext cx="7788729" cy="430887"/>
+              </a:xfrm>
+              <a:prstGeom prst="rect">
+                <a:avLst/>
+              </a:prstGeom>
+              <a:blipFill rotWithShape="0">
+                <a:blip r:embed="rId6"/>
+                <a:stretch>
+                  <a:fillRect l="-156" t="-7042" b="-29577"/>
+                </a:stretch>
+              </a:blipFill>
+              <a:ln>
+                <a:noFill/>
+              </a:ln>
+            </p:spPr>
+            <p:txBody>
+              <a:bodyPr/>
+              <a:lstStyle/>
+              <a:p>
+                <a:r>
+                  <a:rPr lang="en-US">
+                    <a:noFill/>
+                  </a:rPr>
+                  <a:t> </a:t>
+                </a:r>
+              </a:p>
+            </p:txBody>
+          </p:sp>
+        </mc:Fallback>
+      </mc:AlternateContent>
+    </p:spTree>
+    <p:extLst>
+      <p:ext uri="{BB962C8B-B14F-4D97-AF65-F5344CB8AC3E}">
+        <p14:creationId xmlns:p14="http://schemas.microsoft.com/office/powerpoint/2010/main" val="11426030"/>
+      </p:ext>
+    </p:extLst>
+  </p:cSld>
+  <p:clrMapOvr>
+    <a:masterClrMapping/>
+  </p:clrMapOvr>
+</p:sld>
+</file>
+
+<file path=ppt/slides/slide2.xml><?xml version="1.0" encoding="utf-8"?>
+<p:sld xmlns:a="http://schemas.openxmlformats.org/drawingml/2006/main" xmlns:r="http://schemas.openxmlformats.org/officeDocument/2006/relationships" xmlns:p="http://schemas.openxmlformats.org/presentationml/2006/main">
+  <p:cSld>
+    <p:spTree>
+      <p:nvGrpSpPr>
+        <p:cNvPr id="1" name=""/>
+        <p:cNvGrpSpPr/>
+        <p:nvPr/>
+      </p:nvGrpSpPr>
+      <p:grpSpPr>
+        <a:xfrm>
+          <a:off x="0" y="0"/>
+          <a:ext cx="0" cy="0"/>
+          <a:chOff x="0" y="0"/>
+          <a:chExt cx="0" cy="0"/>
+        </a:xfrm>
+      </p:grpSpPr>
+      <p:pic>
+        <p:nvPicPr>
+          <p:cNvPr id="2" name="Picture 1"/>
+          <p:cNvPicPr>
+            <a:picLocks noChangeAspect="1"/>
+          </p:cNvPicPr>
+          <p:nvPr/>
+        </p:nvPicPr>
+        <p:blipFill>
+          <a:blip r:embed="rId2">
+            <a:extLst>
+              <a:ext uri="{28A0092B-C50C-407E-A947-70E740481C1C}">
+                <a14:useLocalDpi xmlns:a14="http://schemas.microsoft.com/office/drawing/2010/main" val="0"/>
+              </a:ext>
+            </a:extLst>
+          </a:blip>
+          <a:stretch>
+            <a:fillRect/>
+          </a:stretch>
+        </p:blipFill>
+        <p:spPr>
+          <a:xfrm>
+            <a:off x="318377" y="969169"/>
+            <a:ext cx="7592847" cy="6548830"/>
+          </a:xfrm>
+          <a:prstGeom prst="rect">
+            <a:avLst/>
+          </a:prstGeom>
+        </p:spPr>
+      </p:pic>
+      <mc:AlternateContent xmlns:mc="http://schemas.openxmlformats.org/markup-compatibility/2006" xmlns:a14="http://schemas.microsoft.com/office/drawing/2010/main">
+        <mc:Choice Requires="a14">
+          <p:sp>
+            <p:nvSpPr>
+              <p:cNvPr id="5" name="TextBox 4"/>
+              <p:cNvSpPr txBox="1"/>
+              <p:nvPr/>
+            </p:nvSpPr>
+            <p:spPr>
+              <a:xfrm>
+                <a:off x="22725465" y="13180866"/>
+                <a:ext cx="3174101" cy="1181542"/>
+              </a:xfrm>
+              <a:prstGeom prst="rect">
+                <a:avLst/>
+              </a:prstGeom>
+              <a:noFill/>
+            </p:spPr>
+            <p:txBody>
+              <a:bodyPr wrap="square" rtlCol="0">
+                <a:spAutoFit/>
+              </a:bodyPr>
+              <a:lstStyle/>
+              <a:p>
+                <a:r>
+                  <a:rPr lang="en-US" sz="3500" i="1" dirty="0">
+                    <a:latin typeface="Palatino" charset="0"/>
+                    <a:ea typeface="Palatino" charset="0"/>
+                    <a:cs typeface="Palatino" charset="0"/>
+                  </a:rPr>
+                  <a:t>Maintain</a:t>
+                </a:r>
+                <a:r>
+                  <a:rPr lang="en-US" sz="3500" b="1" i="1" dirty="0">
+                    <a:latin typeface="Palatino" charset="0"/>
+                    <a:ea typeface="Palatino" charset="0"/>
+                    <a:cs typeface="Palatino" charset="0"/>
+                  </a:rPr>
+                  <a:t> </a:t>
+                </a:r>
+                <a:r>
+                  <a:rPr lang="en-US" sz="3500" dirty="0">
+                    <a:latin typeface="Palatino" charset="0"/>
+                    <a:ea typeface="Palatino" charset="0"/>
+                    <a:cs typeface="Palatino" charset="0"/>
+                  </a:rPr>
+                  <a:t>belief </a:t>
+                </a:r>
+              </a:p>
+              <a:p>
+                <a:pPr/>
+                <a14:m>
+                  <m:oMathPara xmlns:m="http://schemas.openxmlformats.org/officeDocument/2006/math">
+                    <m:oMathParaPr>
+                      <m:jc m:val="centerGroup"/>
+                    </m:oMathParaPr>
+                    <m:oMath xmlns:m="http://schemas.openxmlformats.org/officeDocument/2006/math">
+                      <m:r>
+                        <a:rPr lang="en-US" sz="3500" i="1">
+                          <a:latin typeface="Cambria Math" charset="0"/>
+                          <a:ea typeface="Palatino" charset="0"/>
+                          <a:cs typeface="Palatino" charset="0"/>
+                        </a:rPr>
+                        <m:t>𝑏</m:t>
+                      </m:r>
+                      <m:r>
+                        <a:rPr lang="en-US" sz="3500" i="1">
+                          <a:latin typeface="Cambria Math" charset="0"/>
+                          <a:ea typeface="Palatino" charset="0"/>
+                          <a:cs typeface="Palatino" charset="0"/>
+                        </a:rPr>
+                        <m:t>(</m:t>
+                      </m:r>
+                      <m:sSub>
+                        <m:sSubPr>
+                          <m:ctrlPr>
+                            <a:rPr lang="en-US" sz="3500" i="1">
+                              <a:latin typeface="Cambria Math" charset="0"/>
+                              <a:ea typeface="Palatino" charset="0"/>
+                              <a:cs typeface="Palatino" charset="0"/>
+                            </a:rPr>
+                          </m:ctrlPr>
+                        </m:sSubPr>
+                        <m:e>
+                          <m:r>
+                            <a:rPr lang="en-US" sz="3500" i="1">
+                              <a:latin typeface="Cambria Math" charset="0"/>
+                              <a:ea typeface="Palatino" charset="0"/>
+                              <a:cs typeface="Palatino" charset="0"/>
+                            </a:rPr>
+                            <m:t>𝜃</m:t>
+                          </m:r>
+                        </m:e>
+                        <m:sub>
+                          <m:r>
+                            <a:rPr lang="en-US" sz="3500" i="1">
+                              <a:latin typeface="Cambria Math" charset="0"/>
+                              <a:ea typeface="Palatino" charset="0"/>
+                              <a:cs typeface="Palatino" charset="0"/>
+                            </a:rPr>
+                            <m:t>𝐻</m:t>
+                          </m:r>
+                        </m:sub>
+                      </m:sSub>
+                      <m:r>
+                        <a:rPr lang="en-US" sz="3500" i="1">
+                          <a:latin typeface="Cambria Math" charset="0"/>
+                          <a:ea typeface="Palatino" charset="0"/>
+                          <a:cs typeface="Palatino" charset="0"/>
+                        </a:rPr>
+                        <m:t>=</m:t>
+                      </m:r>
+                      <m:r>
+                        <m:rPr>
+                          <m:nor/>
+                        </m:rPr>
+                        <a:rPr lang="en-US" sz="3500">
+                          <a:latin typeface="Palatino" charset="0"/>
+                          <a:ea typeface="Palatino" charset="0"/>
+                          <a:cs typeface="Palatino" charset="0"/>
+                        </a:rPr>
+                        <m:t>merge</m:t>
+                      </m:r>
+                      <m:r>
+                        <a:rPr lang="en-US" sz="3500" i="1">
+                          <a:latin typeface="Cambria Math" charset="0"/>
+                          <a:ea typeface="Palatino" charset="0"/>
+                          <a:cs typeface="Palatino" charset="0"/>
+                        </a:rPr>
+                        <m:t>)</m:t>
+                      </m:r>
+                    </m:oMath>
+                  </m:oMathPara>
+                </a14:m>
+                <a:endParaRPr lang="en-US" sz="3500" dirty="0">
+                  <a:latin typeface="Palatino" charset="0"/>
+                  <a:ea typeface="Palatino" charset="0"/>
+                  <a:cs typeface="Palatino" charset="0"/>
+                </a:endParaRPr>
+              </a:p>
+            </p:txBody>
+          </p:sp>
+        </mc:Choice>
+        <mc:Fallback xmlns="">
+          <p:sp>
+            <p:nvSpPr>
+              <p:cNvPr id="5" name="TextBox 4"/>
+              <p:cNvSpPr txBox="1">
+                <a:spLocks noRot="1" noChangeAspect="1" noMove="1" noResize="1" noEditPoints="1" noAdjustHandles="1" noChangeArrowheads="1" noChangeShapeType="1" noTextEdit="1"/>
+              </p:cNvSpPr>
+              <p:nvPr/>
+            </p:nvSpPr>
+            <p:spPr>
+              <a:xfrm>
+                <a:off x="19826292" y="6799462"/>
+                <a:ext cx="2539281" cy="963597"/>
+              </a:xfrm>
+              <a:prstGeom prst="rect">
+                <a:avLst/>
+              </a:prstGeom>
+              <a:blipFill rotWithShape="0">
+                <a:blip r:embed="rId3"/>
+                <a:stretch>
+                  <a:fillRect l="-4796" t="-6962" r="-3118"/>
+                </a:stretch>
+              </a:blipFill>
+            </p:spPr>
+            <p:txBody>
+              <a:bodyPr/>
+              <a:lstStyle/>
+              <a:p>
+                <a:r>
+                  <a:rPr lang="en-US">
+                    <a:noFill/>
+                  </a:rPr>
+                  <a:t> </a:t>
+                </a:r>
+              </a:p>
+            </p:txBody>
+          </p:sp>
+        </mc:Fallback>
+      </mc:AlternateContent>
       <p:sp>
         <p:nvSpPr>
           <p:cNvPr id="22" name="TextBox 21"/>
@@ -3489,7 +4313,7 @@
         </p:nvSpPr>
         <p:spPr>
           <a:xfrm>
-            <a:off x="1641816" y="6614502"/>
+            <a:off x="1641817" y="7583671"/>
             <a:ext cx="622139" cy="400110"/>
           </a:xfrm>
           <a:prstGeom prst="rect">
@@ -3523,7 +4347,7 @@
         </p:nvSpPr>
         <p:spPr>
           <a:xfrm>
-            <a:off x="4169470" y="6614502"/>
+            <a:off x="4169471" y="7583671"/>
             <a:ext cx="622139" cy="400110"/>
           </a:xfrm>
           <a:prstGeom prst="rect">
@@ -3557,7 +4381,7 @@
         </p:nvSpPr>
         <p:spPr>
           <a:xfrm>
-            <a:off x="6697123" y="6614502"/>
+            <a:off x="6697124" y="7583671"/>
             <a:ext cx="622139" cy="400110"/>
           </a:xfrm>
           <a:prstGeom prst="rect">
@@ -3586,7 +4410,7 @@
     </p:spTree>
     <p:extLst>
       <p:ext uri="{BB962C8B-B14F-4D97-AF65-F5344CB8AC3E}">
-        <p14:creationId xmlns:p14="http://schemas.microsoft.com/office/powerpoint/2010/main" val="11426030"/>
+        <p14:creationId xmlns:p14="http://schemas.microsoft.com/office/powerpoint/2010/main" val="415344232"/>
       </p:ext>
     </p:extLst>
   </p:cSld>
